--- a/基础PPT/第12章：Java正则简介.pptx
+++ b/基础PPT/第12章：Java正则简介.pptx
@@ -5,7 +5,7 @@
     <p:sldMasterId id="2147483648" r:id="rId1"/>
   </p:sldMasterIdLst>
   <p:notesMasterIdLst>
-    <p:notesMasterId r:id="rId24"/>
+    <p:notesMasterId r:id="rId16"/>
   </p:notesMasterIdLst>
   <p:sldIdLst>
     <p:sldId id="660" r:id="rId3"/>
@@ -19,16 +19,8 @@
     <p:sldId id="694" r:id="rId11"/>
     <p:sldId id="695" r:id="rId12"/>
     <p:sldId id="696" r:id="rId13"/>
-    <p:sldId id="697" r:id="rId14"/>
-    <p:sldId id="698" r:id="rId15"/>
-    <p:sldId id="699" r:id="rId16"/>
-    <p:sldId id="700" r:id="rId17"/>
-    <p:sldId id="701" r:id="rId18"/>
-    <p:sldId id="702" r:id="rId19"/>
-    <p:sldId id="703" r:id="rId20"/>
-    <p:sldId id="704" r:id="rId21"/>
-    <p:sldId id="705" r:id="rId22"/>
-    <p:sldId id="662" r:id="rId23"/>
+    <p:sldId id="705" r:id="rId14"/>
+    <p:sldId id="662" r:id="rId15"/>
   </p:sldIdLst>
   <p:sldSz cx="12192000" cy="6858000"/>
   <p:notesSz cx="6858000" cy="9144000"/>
@@ -6773,198 +6765,6 @@
 </p:sld>
 </file>
 
-<file path=ppt/slides/slide14.xml><?xml version="1.0" encoding="utf-8"?>
-<p:sld xmlns:a="http://schemas.openxmlformats.org/drawingml/2006/main" xmlns:r="http://schemas.openxmlformats.org/officeDocument/2006/relationships" xmlns:p="http://schemas.openxmlformats.org/presentationml/2006/main">
-  <p:cSld>
-    <p:bg>
-      <p:bgPr>
-        <a:blipFill rotWithShape="1">
-          <a:blip r:embed="rId1"/>
-          <a:stretch>
-            <a:fillRect/>
-          </a:stretch>
-        </a:blipFill>
-        <a:effectLst/>
-      </p:bgPr>
-    </p:bg>
-    <p:spTree>
-      <p:nvGrpSpPr>
-        <p:cNvPr id="1" name=""/>
-        <p:cNvGrpSpPr/>
-        <p:nvPr/>
-      </p:nvGrpSpPr>
-      <p:grpSpPr/>
-    </p:spTree>
-    <p:custDataLst>
-      <p:tags r:id="rId2"/>
-    </p:custDataLst>
-  </p:cSld>
-  <p:clrMapOvr>
-    <a:masterClrMapping/>
-  </p:clrMapOvr>
-</p:sld>
-</file>
-
-<file path=ppt/slides/slide15.xml><?xml version="1.0" encoding="utf-8"?>
-<p:sld xmlns:a="http://schemas.openxmlformats.org/drawingml/2006/main" xmlns:r="http://schemas.openxmlformats.org/officeDocument/2006/relationships" xmlns:p="http://schemas.openxmlformats.org/presentationml/2006/main">
-  <p:cSld>
-    <p:bg>
-      <p:bgPr>
-        <a:blipFill rotWithShape="1">
-          <a:blip r:embed="rId1"/>
-          <a:stretch>
-            <a:fillRect/>
-          </a:stretch>
-        </a:blipFill>
-        <a:effectLst/>
-      </p:bgPr>
-    </p:bg>
-    <p:spTree>
-      <p:nvGrpSpPr>
-        <p:cNvPr id="1" name=""/>
-        <p:cNvGrpSpPr/>
-        <p:nvPr/>
-      </p:nvGrpSpPr>
-      <p:grpSpPr/>
-    </p:spTree>
-    <p:custDataLst>
-      <p:tags r:id="rId2"/>
-    </p:custDataLst>
-  </p:cSld>
-  <p:clrMapOvr>
-    <a:masterClrMapping/>
-  </p:clrMapOvr>
-</p:sld>
-</file>
-
-<file path=ppt/slides/slide16.xml><?xml version="1.0" encoding="utf-8"?>
-<p:sld xmlns:a="http://schemas.openxmlformats.org/drawingml/2006/main" xmlns:r="http://schemas.openxmlformats.org/officeDocument/2006/relationships" xmlns:p="http://schemas.openxmlformats.org/presentationml/2006/main">
-  <p:cSld>
-    <p:bg>
-      <p:bgPr>
-        <a:blipFill rotWithShape="1">
-          <a:blip r:embed="rId1"/>
-          <a:stretch>
-            <a:fillRect/>
-          </a:stretch>
-        </a:blipFill>
-        <a:effectLst/>
-      </p:bgPr>
-    </p:bg>
-    <p:spTree>
-      <p:nvGrpSpPr>
-        <p:cNvPr id="1" name=""/>
-        <p:cNvGrpSpPr/>
-        <p:nvPr/>
-      </p:nvGrpSpPr>
-      <p:grpSpPr/>
-    </p:spTree>
-    <p:custDataLst>
-      <p:tags r:id="rId2"/>
-    </p:custDataLst>
-  </p:cSld>
-  <p:clrMapOvr>
-    <a:masterClrMapping/>
-  </p:clrMapOvr>
-</p:sld>
-</file>
-
-<file path=ppt/slides/slide17.xml><?xml version="1.0" encoding="utf-8"?>
-<p:sld xmlns:a="http://schemas.openxmlformats.org/drawingml/2006/main" xmlns:r="http://schemas.openxmlformats.org/officeDocument/2006/relationships" xmlns:p="http://schemas.openxmlformats.org/presentationml/2006/main">
-  <p:cSld>
-    <p:bg>
-      <p:bgPr>
-        <a:blipFill rotWithShape="1">
-          <a:blip r:embed="rId1"/>
-          <a:stretch>
-            <a:fillRect/>
-          </a:stretch>
-        </a:blipFill>
-        <a:effectLst/>
-      </p:bgPr>
-    </p:bg>
-    <p:spTree>
-      <p:nvGrpSpPr>
-        <p:cNvPr id="1" name=""/>
-        <p:cNvGrpSpPr/>
-        <p:nvPr/>
-      </p:nvGrpSpPr>
-      <p:grpSpPr/>
-    </p:spTree>
-    <p:custDataLst>
-      <p:tags r:id="rId2"/>
-    </p:custDataLst>
-  </p:cSld>
-  <p:clrMapOvr>
-    <a:masterClrMapping/>
-  </p:clrMapOvr>
-</p:sld>
-</file>
-
-<file path=ppt/slides/slide18.xml><?xml version="1.0" encoding="utf-8"?>
-<p:sld xmlns:a="http://schemas.openxmlformats.org/drawingml/2006/main" xmlns:r="http://schemas.openxmlformats.org/officeDocument/2006/relationships" xmlns:p="http://schemas.openxmlformats.org/presentationml/2006/main">
-  <p:cSld>
-    <p:bg>
-      <p:bgPr>
-        <a:blipFill rotWithShape="1">
-          <a:blip r:embed="rId1"/>
-          <a:stretch>
-            <a:fillRect/>
-          </a:stretch>
-        </a:blipFill>
-        <a:effectLst/>
-      </p:bgPr>
-    </p:bg>
-    <p:spTree>
-      <p:nvGrpSpPr>
-        <p:cNvPr id="1" name=""/>
-        <p:cNvGrpSpPr/>
-        <p:nvPr/>
-      </p:nvGrpSpPr>
-      <p:grpSpPr/>
-    </p:spTree>
-    <p:custDataLst>
-      <p:tags r:id="rId2"/>
-    </p:custDataLst>
-  </p:cSld>
-  <p:clrMapOvr>
-    <a:masterClrMapping/>
-  </p:clrMapOvr>
-</p:sld>
-</file>
-
-<file path=ppt/slides/slide19.xml><?xml version="1.0" encoding="utf-8"?>
-<p:sld xmlns:a="http://schemas.openxmlformats.org/drawingml/2006/main" xmlns:r="http://schemas.openxmlformats.org/officeDocument/2006/relationships" xmlns:p="http://schemas.openxmlformats.org/presentationml/2006/main">
-  <p:cSld>
-    <p:bg>
-      <p:bgPr>
-        <a:blipFill rotWithShape="1">
-          <a:blip r:embed="rId1"/>
-          <a:stretch>
-            <a:fillRect/>
-          </a:stretch>
-        </a:blipFill>
-        <a:effectLst/>
-      </p:bgPr>
-    </p:bg>
-    <p:spTree>
-      <p:nvGrpSpPr>
-        <p:cNvPr id="1" name=""/>
-        <p:cNvGrpSpPr/>
-        <p:nvPr/>
-      </p:nvGrpSpPr>
-      <p:grpSpPr/>
-    </p:spTree>
-    <p:custDataLst>
-      <p:tags r:id="rId2"/>
-    </p:custDataLst>
-  </p:cSld>
-  <p:clrMapOvr>
-    <a:masterClrMapping/>
-  </p:clrMapOvr>
-</p:sld>
-</file>
-
 <file path=ppt/slides/slide2.xml><?xml version="1.0" encoding="utf-8"?>
 <p:sld xmlns:a="http://schemas.openxmlformats.org/drawingml/2006/main" xmlns:r="http://schemas.openxmlformats.org/officeDocument/2006/relationships" xmlns:p="http://schemas.openxmlformats.org/presentationml/2006/main">
   <p:cSld>
@@ -6994,7 +6794,7 @@
         </p:nvSpPr>
         <p:spPr>
           <a:xfrm>
-            <a:off x="120650" y="773430"/>
+            <a:off x="120650" y="1421130"/>
             <a:ext cx="11876405" cy="4276725"/>
           </a:xfrm>
           <a:prstGeom prst="rect">
@@ -7200,70 +7000,36 @@
           </a:p>
         </p:txBody>
       </p:sp>
-    </p:spTree>
-    <p:custDataLst>
-      <p:tags r:id="rId2"/>
-    </p:custDataLst>
-  </p:cSld>
-  <p:clrMapOvr>
-    <a:masterClrMapping/>
-  </p:clrMapOvr>
-</p:sld>
-</file>
-
-<file path=ppt/slides/slide20.xml><?xml version="1.0" encoding="utf-8"?>
-<p:sld xmlns:a="http://schemas.openxmlformats.org/drawingml/2006/main" xmlns:r="http://schemas.openxmlformats.org/officeDocument/2006/relationships" xmlns:p="http://schemas.openxmlformats.org/presentationml/2006/main">
-  <p:cSld>
-    <p:bg>
-      <p:bgPr>
-        <a:blipFill rotWithShape="1">
-          <a:blip r:embed="rId1"/>
-          <a:stretch>
-            <a:fillRect/>
-          </a:stretch>
-        </a:blipFill>
-        <a:effectLst/>
-      </p:bgPr>
-    </p:bg>
-    <p:spTree>
-      <p:nvGrpSpPr>
-        <p:cNvPr id="1" name=""/>
-        <p:cNvGrpSpPr/>
-        <p:nvPr/>
-      </p:nvGrpSpPr>
-      <p:grpSpPr/>
-    </p:spTree>
-    <p:custDataLst>
-      <p:tags r:id="rId2"/>
-    </p:custDataLst>
-  </p:cSld>
-  <p:clrMapOvr>
-    <a:masterClrMapping/>
-  </p:clrMapOvr>
-</p:sld>
-</file>
-
-<file path=ppt/slides/slide21.xml><?xml version="1.0" encoding="utf-8"?>
-<p:sld xmlns:a="http://schemas.openxmlformats.org/drawingml/2006/main" xmlns:r="http://schemas.openxmlformats.org/officeDocument/2006/relationships" xmlns:p="http://schemas.openxmlformats.org/presentationml/2006/main">
-  <p:cSld>
-    <p:bg>
-      <p:bgPr>
-        <a:blipFill rotWithShape="1">
-          <a:blip r:embed="rId1"/>
-          <a:stretch>
-            <a:fillRect/>
-          </a:stretch>
-        </a:blipFill>
-        <a:effectLst/>
-      </p:bgPr>
-    </p:bg>
-    <p:spTree>
-      <p:nvGrpSpPr>
-        <p:cNvPr id="1" name=""/>
-        <p:cNvGrpSpPr/>
-        <p:nvPr/>
-      </p:nvGrpSpPr>
-      <p:grpSpPr/>
+      <p:sp>
+        <p:nvSpPr>
+          <p:cNvPr id="2" name="文本框 1"/>
+          <p:cNvSpPr txBox="1"/>
+          <p:nvPr/>
+        </p:nvSpPr>
+        <p:spPr>
+          <a:xfrm>
+            <a:off x="240030" y="775970"/>
+            <a:ext cx="11645265" cy="521970"/>
+          </a:xfrm>
+          <a:prstGeom prst="rect">
+            <a:avLst/>
+          </a:prstGeom>
+          <a:noFill/>
+        </p:spPr>
+        <p:txBody>
+          <a:bodyPr wrap="square" rtlCol="0">
+            <a:spAutoFit/>
+          </a:bodyPr>
+          <a:p>
+            <a:pPr algn="ctr"/>
+            <a:r>
+              <a:rPr lang="zh-CN" altLang="en-US" sz="2800"/>
+              <a:t>正则表达式</a:t>
+            </a:r>
+            <a:endParaRPr lang="zh-CN" altLang="en-US" sz="2800"/>
+          </a:p>
+        </p:txBody>
+      </p:sp>
     </p:spTree>
     <p:custDataLst>
       <p:tags r:id="rId2"/>
@@ -8043,7 +7809,7 @@
         </p:nvSpPr>
         <p:spPr>
           <a:xfrm>
-            <a:off x="147955" y="819150"/>
+            <a:off x="127635" y="1297940"/>
             <a:ext cx="11757660" cy="4276725"/>
           </a:xfrm>
           <a:prstGeom prst="rect">
@@ -8062,7 +7828,7 @@
                 <a:ea typeface="宋体" panose="02010600030101010101" pitchFamily="2" charset="-122"/>
                 <a:cs typeface="宋体" panose="02010600030101010101" pitchFamily="2" charset="-122"/>
               </a:rPr>
-              <a:t> String正则相关API</a:t>
+              <a:t>String正则相关API</a:t>
             </a:r>
             <a:endParaRPr lang="zh-CN" altLang="en-US" sz="1600">
               <a:latin typeface="宋体" panose="02010600030101010101" pitchFamily="2" charset="-122"/>
@@ -8077,7 +7843,7 @@
                 <a:ea typeface="宋体" panose="02010600030101010101" pitchFamily="2" charset="-122"/>
                 <a:cs typeface="宋体" panose="02010600030101010101" pitchFamily="2" charset="-122"/>
               </a:rPr>
-              <a:t> matches方法</a:t>
+              <a:t>matches方法</a:t>
             </a:r>
             <a:endParaRPr lang="zh-CN" altLang="en-US" sz="1600">
               <a:latin typeface="宋体" panose="02010600030101010101" pitchFamily="2" charset="-122"/>
@@ -8092,7 +7858,7 @@
                 <a:ea typeface="宋体" panose="02010600030101010101" pitchFamily="2" charset="-122"/>
                 <a:cs typeface="宋体" panose="02010600030101010101" pitchFamily="2" charset="-122"/>
               </a:rPr>
-              <a:t> matches()方法的参数要求我们传入一个用字符串描述的正则表达式，然后使用该正则表达式描述的字符串格式规则来匹配当前字符串，若满足那么该方法返回true。否则返回false。</a:t>
+              <a:t>matches()方法的参数要求我们传入一个用字符串描述的正则表达式，然后使用该正则表达式描述的字符串格式规则来匹配当前字符串，若满足那么该方法返回true。否则返回false。</a:t>
             </a:r>
             <a:endParaRPr lang="zh-CN" altLang="en-US" sz="1600">
               <a:latin typeface="宋体" panose="02010600030101010101" pitchFamily="2" charset="-122"/>
@@ -8114,7 +7880,7 @@
                 <a:ea typeface="宋体" panose="02010600030101010101" pitchFamily="2" charset="-122"/>
                 <a:cs typeface="宋体" panose="02010600030101010101" pitchFamily="2" charset="-122"/>
               </a:rPr>
-              <a:t> split方法</a:t>
+              <a:t>split方法</a:t>
             </a:r>
             <a:endParaRPr lang="zh-CN" altLang="en-US" sz="1600">
               <a:latin typeface="宋体" panose="02010600030101010101" pitchFamily="2" charset="-122"/>
@@ -8129,7 +7895,7 @@
                 <a:ea typeface="宋体" panose="02010600030101010101" pitchFamily="2" charset="-122"/>
                 <a:cs typeface="宋体" panose="02010600030101010101" pitchFamily="2" charset="-122"/>
               </a:rPr>
-              <a:t> String[] split(String regex):参数要求传入一个用字符串描述的正则表达式，然后使用该正则表达式描述的字符串规则来匹配当前字符串，并按照满足的部分将字符串拆分。</a:t>
+              <a:t>String[] split(String regex):参数要求传入一个用字符串描述的正则表达式，然后使用该正则表达式描述的字符串规则来匹配当前字符串，并按照满足的部分将字符串拆分。</a:t>
             </a:r>
             <a:endParaRPr lang="zh-CN" altLang="en-US" sz="1600">
               <a:latin typeface="宋体" panose="02010600030101010101" pitchFamily="2" charset="-122"/>
@@ -8248,6 +8014,40 @@
               <a:ea typeface="宋体" panose="02010600030101010101" pitchFamily="2" charset="-122"/>
               <a:cs typeface="宋体" panose="02010600030101010101" pitchFamily="2" charset="-122"/>
             </a:endParaRPr>
+          </a:p>
+        </p:txBody>
+      </p:sp>
+      <p:sp>
+        <p:nvSpPr>
+          <p:cNvPr id="3" name="文本框 2"/>
+          <p:cNvSpPr txBox="1"/>
+          <p:nvPr/>
+        </p:nvSpPr>
+        <p:spPr>
+          <a:xfrm>
+            <a:off x="240030" y="775970"/>
+            <a:ext cx="11645265" cy="521970"/>
+          </a:xfrm>
+          <a:prstGeom prst="rect">
+            <a:avLst/>
+          </a:prstGeom>
+          <a:noFill/>
+        </p:spPr>
+        <p:txBody>
+          <a:bodyPr wrap="square" rtlCol="0">
+            <a:spAutoFit/>
+          </a:bodyPr>
+          <a:p>
+            <a:pPr algn="ctr"/>
+            <a:r>
+              <a:rPr lang="zh-CN" altLang="en-US" sz="2800"/>
+              <a:t>正则 </a:t>
+            </a:r>
+            <a:r>
+              <a:rPr lang="en-US" altLang="zh-CN" sz="2800"/>
+              <a:t>API</a:t>
+            </a:r>
+            <a:endParaRPr lang="en-US" altLang="zh-CN" sz="2800"/>
           </a:p>
         </p:txBody>
       </p:sp>
@@ -9766,78 +9566,6 @@
 </file>
 
 <file path=ppt/tags/tag90.xml><?xml version="1.0" encoding="utf-8"?>
-<p:tagLst xmlns:p="http://schemas.openxmlformats.org/presentationml/2006/main">
-  <p:tag name="KSO_WM_BEAUTIFY_FLAG" val="#wm#"/>
-  <p:tag name="KSO_WM_TEMPLATE_CATEGORY" val="custom"/>
-  <p:tag name="KSO_WM_TEMPLATE_INDEX" val="20203858"/>
-  <p:tag name="KSO_WM_SPECIAL_SOURCE" val="bdnull"/>
-</p:tagLst>
-</file>
-
-<file path=ppt/tags/tag91.xml><?xml version="1.0" encoding="utf-8"?>
-<p:tagLst xmlns:p="http://schemas.openxmlformats.org/presentationml/2006/main">
-  <p:tag name="KSO_WM_BEAUTIFY_FLAG" val="#wm#"/>
-  <p:tag name="KSO_WM_TEMPLATE_CATEGORY" val="custom"/>
-  <p:tag name="KSO_WM_TEMPLATE_INDEX" val="20203858"/>
-  <p:tag name="KSO_WM_SPECIAL_SOURCE" val="bdnull"/>
-</p:tagLst>
-</file>
-
-<file path=ppt/tags/tag92.xml><?xml version="1.0" encoding="utf-8"?>
-<p:tagLst xmlns:p="http://schemas.openxmlformats.org/presentationml/2006/main">
-  <p:tag name="KSO_WM_BEAUTIFY_FLAG" val="#wm#"/>
-  <p:tag name="KSO_WM_TEMPLATE_CATEGORY" val="custom"/>
-  <p:tag name="KSO_WM_TEMPLATE_INDEX" val="20203858"/>
-  <p:tag name="KSO_WM_SPECIAL_SOURCE" val="bdnull"/>
-</p:tagLst>
-</file>
-
-<file path=ppt/tags/tag93.xml><?xml version="1.0" encoding="utf-8"?>
-<p:tagLst xmlns:p="http://schemas.openxmlformats.org/presentationml/2006/main">
-  <p:tag name="KSO_WM_BEAUTIFY_FLAG" val="#wm#"/>
-  <p:tag name="KSO_WM_TEMPLATE_CATEGORY" val="custom"/>
-  <p:tag name="KSO_WM_TEMPLATE_INDEX" val="20203858"/>
-  <p:tag name="KSO_WM_SPECIAL_SOURCE" val="bdnull"/>
-</p:tagLst>
-</file>
-
-<file path=ppt/tags/tag94.xml><?xml version="1.0" encoding="utf-8"?>
-<p:tagLst xmlns:p="http://schemas.openxmlformats.org/presentationml/2006/main">
-  <p:tag name="KSO_WM_BEAUTIFY_FLAG" val="#wm#"/>
-  <p:tag name="KSO_WM_TEMPLATE_CATEGORY" val="custom"/>
-  <p:tag name="KSO_WM_TEMPLATE_INDEX" val="20203858"/>
-  <p:tag name="KSO_WM_SPECIAL_SOURCE" val="bdnull"/>
-</p:tagLst>
-</file>
-
-<file path=ppt/tags/tag95.xml><?xml version="1.0" encoding="utf-8"?>
-<p:tagLst xmlns:p="http://schemas.openxmlformats.org/presentationml/2006/main">
-  <p:tag name="KSO_WM_BEAUTIFY_FLAG" val="#wm#"/>
-  <p:tag name="KSO_WM_TEMPLATE_CATEGORY" val="custom"/>
-  <p:tag name="KSO_WM_TEMPLATE_INDEX" val="20203858"/>
-  <p:tag name="KSO_WM_SPECIAL_SOURCE" val="bdnull"/>
-</p:tagLst>
-</file>
-
-<file path=ppt/tags/tag96.xml><?xml version="1.0" encoding="utf-8"?>
-<p:tagLst xmlns:p="http://schemas.openxmlformats.org/presentationml/2006/main">
-  <p:tag name="KSO_WM_BEAUTIFY_FLAG" val="#wm#"/>
-  <p:tag name="KSO_WM_TEMPLATE_CATEGORY" val="custom"/>
-  <p:tag name="KSO_WM_TEMPLATE_INDEX" val="20203858"/>
-  <p:tag name="KSO_WM_SPECIAL_SOURCE" val="bdnull"/>
-</p:tagLst>
-</file>
-
-<file path=ppt/tags/tag97.xml><?xml version="1.0" encoding="utf-8"?>
-<p:tagLst xmlns:p="http://schemas.openxmlformats.org/presentationml/2006/main">
-  <p:tag name="KSO_WM_BEAUTIFY_FLAG" val="#wm#"/>
-  <p:tag name="KSO_WM_TEMPLATE_CATEGORY" val="custom"/>
-  <p:tag name="KSO_WM_TEMPLATE_INDEX" val="20203858"/>
-  <p:tag name="KSO_WM_SPECIAL_SOURCE" val="bdnull"/>
-</p:tagLst>
-</file>
-
-<file path=ppt/tags/tag98.xml><?xml version="1.0" encoding="utf-8"?>
 <p:tagLst xmlns:p="http://schemas.openxmlformats.org/presentationml/2006/main">
   <p:tag name="KSO_WM_BEAUTIFY_FLAG" val="#wm#"/>
   <p:tag name="KSO_WM_TEMPLATE_CATEGORY" val="custom"/>

--- a/基础PPT/第12章：Java正则简介.pptx
+++ b/基础PPT/第12章：Java正则简介.pptx
@@ -5,22 +5,23 @@
     <p:sldMasterId id="2147483648" r:id="rId1"/>
   </p:sldMasterIdLst>
   <p:notesMasterIdLst>
-    <p:notesMasterId r:id="rId16"/>
+    <p:notesMasterId r:id="rId17"/>
   </p:notesMasterIdLst>
   <p:sldIdLst>
     <p:sldId id="660" r:id="rId3"/>
     <p:sldId id="661" r:id="rId4"/>
-    <p:sldId id="686" r:id="rId5"/>
-    <p:sldId id="687" r:id="rId6"/>
-    <p:sldId id="688" r:id="rId7"/>
-    <p:sldId id="691" r:id="rId8"/>
-    <p:sldId id="692" r:id="rId9"/>
-    <p:sldId id="693" r:id="rId10"/>
-    <p:sldId id="694" r:id="rId11"/>
-    <p:sldId id="695" r:id="rId12"/>
-    <p:sldId id="696" r:id="rId13"/>
-    <p:sldId id="705" r:id="rId14"/>
-    <p:sldId id="662" r:id="rId15"/>
+    <p:sldId id="707" r:id="rId5"/>
+    <p:sldId id="686" r:id="rId6"/>
+    <p:sldId id="687" r:id="rId7"/>
+    <p:sldId id="688" r:id="rId8"/>
+    <p:sldId id="691" r:id="rId9"/>
+    <p:sldId id="692" r:id="rId10"/>
+    <p:sldId id="693" r:id="rId11"/>
+    <p:sldId id="694" r:id="rId12"/>
+    <p:sldId id="695" r:id="rId13"/>
+    <p:sldId id="696" r:id="rId14"/>
+    <p:sldId id="705" r:id="rId15"/>
+    <p:sldId id="662" r:id="rId16"/>
   </p:sldIdLst>
   <p:sldSz cx="12192000" cy="6858000"/>
   <p:notesSz cx="6858000" cy="9144000"/>
@@ -6367,6 +6368,186 @@
       <p:grpSpPr/>
       <p:sp>
         <p:nvSpPr>
+          <p:cNvPr id="3" name="文本框 2"/>
+          <p:cNvSpPr txBox="1"/>
+          <p:nvPr/>
+        </p:nvSpPr>
+        <p:spPr>
+          <a:xfrm>
+            <a:off x="83820" y="773430"/>
+            <a:ext cx="11885930" cy="3046095"/>
+          </a:xfrm>
+          <a:prstGeom prst="rect">
+            <a:avLst/>
+          </a:prstGeom>
+          <a:noFill/>
+        </p:spPr>
+        <p:txBody>
+          <a:bodyPr wrap="square" rtlCol="0">
+            <a:spAutoFit/>
+          </a:bodyPr>
+          <a:p>
+            <a:r>
+              <a:rPr lang="zh-CN" altLang="en-US" sz="1600">
+                <a:latin typeface="宋体" panose="02010600030101010101" pitchFamily="2" charset="-122"/>
+                <a:ea typeface="宋体" panose="02010600030101010101" pitchFamily="2" charset="-122"/>
+                <a:cs typeface="宋体" panose="02010600030101010101" pitchFamily="2" charset="-122"/>
+              </a:rPr>
+              <a:t>java.util.regex 包主要包括以下三个类：</a:t>
+            </a:r>
+            <a:endParaRPr lang="zh-CN" altLang="en-US" sz="1600">
+              <a:latin typeface="宋体" panose="02010600030101010101" pitchFamily="2" charset="-122"/>
+              <a:ea typeface="宋体" panose="02010600030101010101" pitchFamily="2" charset="-122"/>
+              <a:cs typeface="宋体" panose="02010600030101010101" pitchFamily="2" charset="-122"/>
+            </a:endParaRPr>
+          </a:p>
+          <a:p>
+            <a:endParaRPr lang="zh-CN" altLang="en-US" sz="1600">
+              <a:latin typeface="宋体" panose="02010600030101010101" pitchFamily="2" charset="-122"/>
+              <a:ea typeface="宋体" panose="02010600030101010101" pitchFamily="2" charset="-122"/>
+              <a:cs typeface="宋体" panose="02010600030101010101" pitchFamily="2" charset="-122"/>
+            </a:endParaRPr>
+          </a:p>
+          <a:p>
+            <a:r>
+              <a:rPr lang="zh-CN" altLang="en-US" sz="1600">
+                <a:latin typeface="宋体" panose="02010600030101010101" pitchFamily="2" charset="-122"/>
+                <a:ea typeface="宋体" panose="02010600030101010101" pitchFamily="2" charset="-122"/>
+                <a:cs typeface="宋体" panose="02010600030101010101" pitchFamily="2" charset="-122"/>
+              </a:rPr>
+              <a:t>Pattern 类：</a:t>
+            </a:r>
+            <a:endParaRPr lang="zh-CN" altLang="en-US" sz="1600">
+              <a:latin typeface="宋体" panose="02010600030101010101" pitchFamily="2" charset="-122"/>
+              <a:ea typeface="宋体" panose="02010600030101010101" pitchFamily="2" charset="-122"/>
+              <a:cs typeface="宋体" panose="02010600030101010101" pitchFamily="2" charset="-122"/>
+            </a:endParaRPr>
+          </a:p>
+          <a:p>
+            <a:r>
+              <a:rPr lang="zh-CN" altLang="en-US" sz="1600">
+                <a:latin typeface="宋体" panose="02010600030101010101" pitchFamily="2" charset="-122"/>
+                <a:ea typeface="宋体" panose="02010600030101010101" pitchFamily="2" charset="-122"/>
+                <a:cs typeface="宋体" panose="02010600030101010101" pitchFamily="2" charset="-122"/>
+              </a:rPr>
+              <a:t>pattern 对象是一个正则表达式的编译表示。Pattern 类没有公共构造方法。要创建一个 Pattern 对象，你必须首先调用其公共静态编译方法，它返回一个 Pattern 对象。该方法接受一个正则表达式作为它的第一个参数。</a:t>
+            </a:r>
+            <a:endParaRPr lang="zh-CN" altLang="en-US" sz="1600">
+              <a:latin typeface="宋体" panose="02010600030101010101" pitchFamily="2" charset="-122"/>
+              <a:ea typeface="宋体" panose="02010600030101010101" pitchFamily="2" charset="-122"/>
+              <a:cs typeface="宋体" panose="02010600030101010101" pitchFamily="2" charset="-122"/>
+            </a:endParaRPr>
+          </a:p>
+          <a:p>
+            <a:endParaRPr lang="zh-CN" altLang="en-US" sz="1600">
+              <a:latin typeface="宋体" panose="02010600030101010101" pitchFamily="2" charset="-122"/>
+              <a:ea typeface="宋体" panose="02010600030101010101" pitchFamily="2" charset="-122"/>
+              <a:cs typeface="宋体" panose="02010600030101010101" pitchFamily="2" charset="-122"/>
+            </a:endParaRPr>
+          </a:p>
+          <a:p>
+            <a:r>
+              <a:rPr lang="zh-CN" altLang="en-US" sz="1600">
+                <a:latin typeface="宋体" panose="02010600030101010101" pitchFamily="2" charset="-122"/>
+                <a:ea typeface="宋体" panose="02010600030101010101" pitchFamily="2" charset="-122"/>
+                <a:cs typeface="宋体" panose="02010600030101010101" pitchFamily="2" charset="-122"/>
+              </a:rPr>
+              <a:t>Matcher 类：</a:t>
+            </a:r>
+            <a:endParaRPr lang="zh-CN" altLang="en-US" sz="1600">
+              <a:latin typeface="宋体" panose="02010600030101010101" pitchFamily="2" charset="-122"/>
+              <a:ea typeface="宋体" panose="02010600030101010101" pitchFamily="2" charset="-122"/>
+              <a:cs typeface="宋体" panose="02010600030101010101" pitchFamily="2" charset="-122"/>
+            </a:endParaRPr>
+          </a:p>
+          <a:p>
+            <a:r>
+              <a:rPr lang="zh-CN" altLang="en-US" sz="1600">
+                <a:latin typeface="宋体" panose="02010600030101010101" pitchFamily="2" charset="-122"/>
+                <a:ea typeface="宋体" panose="02010600030101010101" pitchFamily="2" charset="-122"/>
+                <a:cs typeface="宋体" panose="02010600030101010101" pitchFamily="2" charset="-122"/>
+              </a:rPr>
+              <a:t>Matcher 对象是对输入字符串进行解释和匹配操作的引擎。与Pattern 类一样，Matcher 也没有公共构造方法。你需要调用 Pattern 对象的 matcher 方法来获得一个 Matcher 对象。</a:t>
+            </a:r>
+            <a:endParaRPr lang="zh-CN" altLang="en-US" sz="1600">
+              <a:latin typeface="宋体" panose="02010600030101010101" pitchFamily="2" charset="-122"/>
+              <a:ea typeface="宋体" panose="02010600030101010101" pitchFamily="2" charset="-122"/>
+              <a:cs typeface="宋体" panose="02010600030101010101" pitchFamily="2" charset="-122"/>
+            </a:endParaRPr>
+          </a:p>
+          <a:p>
+            <a:endParaRPr lang="zh-CN" altLang="en-US" sz="1600">
+              <a:latin typeface="宋体" panose="02010600030101010101" pitchFamily="2" charset="-122"/>
+              <a:ea typeface="宋体" panose="02010600030101010101" pitchFamily="2" charset="-122"/>
+              <a:cs typeface="宋体" panose="02010600030101010101" pitchFamily="2" charset="-122"/>
+            </a:endParaRPr>
+          </a:p>
+          <a:p>
+            <a:r>
+              <a:rPr lang="zh-CN" altLang="en-US" sz="1600">
+                <a:latin typeface="宋体" panose="02010600030101010101" pitchFamily="2" charset="-122"/>
+                <a:ea typeface="宋体" panose="02010600030101010101" pitchFamily="2" charset="-122"/>
+                <a:cs typeface="宋体" panose="02010600030101010101" pitchFamily="2" charset="-122"/>
+              </a:rPr>
+              <a:t>PatternSyntaxException：</a:t>
+            </a:r>
+            <a:endParaRPr lang="zh-CN" altLang="en-US" sz="1600">
+              <a:latin typeface="宋体" panose="02010600030101010101" pitchFamily="2" charset="-122"/>
+              <a:ea typeface="宋体" panose="02010600030101010101" pitchFamily="2" charset="-122"/>
+              <a:cs typeface="宋体" panose="02010600030101010101" pitchFamily="2" charset="-122"/>
+            </a:endParaRPr>
+          </a:p>
+          <a:p>
+            <a:r>
+              <a:rPr lang="zh-CN" altLang="en-US" sz="1600">
+                <a:latin typeface="宋体" panose="02010600030101010101" pitchFamily="2" charset="-122"/>
+                <a:ea typeface="宋体" panose="02010600030101010101" pitchFamily="2" charset="-122"/>
+                <a:cs typeface="宋体" panose="02010600030101010101" pitchFamily="2" charset="-122"/>
+              </a:rPr>
+              <a:t>PatternSyntaxException 是一个非强制异常类，它表示一个正则表达式模式中的语法错误。</a:t>
+            </a:r>
+            <a:endParaRPr lang="zh-CN" altLang="en-US" sz="1600">
+              <a:latin typeface="宋体" panose="02010600030101010101" pitchFamily="2" charset="-122"/>
+              <a:ea typeface="宋体" panose="02010600030101010101" pitchFamily="2" charset="-122"/>
+              <a:cs typeface="宋体" panose="02010600030101010101" pitchFamily="2" charset="-122"/>
+            </a:endParaRPr>
+          </a:p>
+        </p:txBody>
+      </p:sp>
+    </p:spTree>
+    <p:custDataLst>
+      <p:tags r:id="rId2"/>
+    </p:custDataLst>
+  </p:cSld>
+  <p:clrMapOvr>
+    <a:masterClrMapping/>
+  </p:clrMapOvr>
+</p:sld>
+</file>
+
+<file path=ppt/slides/slide11.xml><?xml version="1.0" encoding="utf-8"?>
+<p:sld xmlns:a="http://schemas.openxmlformats.org/drawingml/2006/main" xmlns:r="http://schemas.openxmlformats.org/officeDocument/2006/relationships" xmlns:p="http://schemas.openxmlformats.org/presentationml/2006/main">
+  <p:cSld>
+    <p:bg>
+      <p:bgPr>
+        <a:blipFill rotWithShape="1">
+          <a:blip r:embed="rId1"/>
+          <a:stretch>
+            <a:fillRect/>
+          </a:stretch>
+        </a:blipFill>
+        <a:effectLst/>
+      </p:bgPr>
+    </p:bg>
+    <p:spTree>
+      <p:nvGrpSpPr>
+        <p:cNvPr id="1" name=""/>
+        <p:cNvGrpSpPr/>
+        <p:nvPr/>
+      </p:nvGrpSpPr>
+      <p:grpSpPr/>
+      <p:sp>
+        <p:nvSpPr>
           <p:cNvPr id="2" name="文本框 1"/>
           <p:cNvSpPr txBox="1"/>
           <p:nvPr/>
@@ -6608,7 +6789,7 @@
 </p:sld>
 </file>
 
-<file path=ppt/slides/slide11.xml><?xml version="1.0" encoding="utf-8"?>
+<file path=ppt/slides/slide12.xml><?xml version="1.0" encoding="utf-8"?>
 <p:sld xmlns:a="http://schemas.openxmlformats.org/drawingml/2006/main" xmlns:r="http://schemas.openxmlformats.org/officeDocument/2006/relationships" xmlns:p="http://schemas.openxmlformats.org/presentationml/2006/main">
   <p:cSld>
     <p:bg>
@@ -6701,38 +6882,6 @@
 </p:sld>
 </file>
 
-<file path=ppt/slides/slide12.xml><?xml version="1.0" encoding="utf-8"?>
-<p:sld xmlns:a="http://schemas.openxmlformats.org/drawingml/2006/main" xmlns:r="http://schemas.openxmlformats.org/officeDocument/2006/relationships" xmlns:p="http://schemas.openxmlformats.org/presentationml/2006/main">
-  <p:cSld>
-    <p:bg>
-      <p:bgPr>
-        <a:blipFill rotWithShape="1">
-          <a:blip r:embed="rId1"/>
-          <a:stretch>
-            <a:fillRect/>
-          </a:stretch>
-        </a:blipFill>
-        <a:effectLst/>
-      </p:bgPr>
-    </p:bg>
-    <p:spTree>
-      <p:nvGrpSpPr>
-        <p:cNvPr id="1" name=""/>
-        <p:cNvGrpSpPr/>
-        <p:nvPr/>
-      </p:nvGrpSpPr>
-      <p:grpSpPr/>
-    </p:spTree>
-    <p:custDataLst>
-      <p:tags r:id="rId2"/>
-    </p:custDataLst>
-  </p:cSld>
-  <p:clrMapOvr>
-    <a:masterClrMapping/>
-  </p:clrMapOvr>
-</p:sld>
-</file>
-
 <file path=ppt/slides/slide13.xml><?xml version="1.0" encoding="utf-8"?>
 <p:sld xmlns:a="http://schemas.openxmlformats.org/drawingml/2006/main" xmlns:r="http://schemas.openxmlformats.org/officeDocument/2006/relationships" xmlns:p="http://schemas.openxmlformats.org/presentationml/2006/main">
   <p:cSld>
@@ -6765,6 +6914,38 @@
 </p:sld>
 </file>
 
+<file path=ppt/slides/slide14.xml><?xml version="1.0" encoding="utf-8"?>
+<p:sld xmlns:a="http://schemas.openxmlformats.org/drawingml/2006/main" xmlns:r="http://schemas.openxmlformats.org/officeDocument/2006/relationships" xmlns:p="http://schemas.openxmlformats.org/presentationml/2006/main">
+  <p:cSld>
+    <p:bg>
+      <p:bgPr>
+        <a:blipFill rotWithShape="1">
+          <a:blip r:embed="rId1"/>
+          <a:stretch>
+            <a:fillRect/>
+          </a:stretch>
+        </a:blipFill>
+        <a:effectLst/>
+      </p:bgPr>
+    </p:bg>
+    <p:spTree>
+      <p:nvGrpSpPr>
+        <p:cNvPr id="1" name=""/>
+        <p:cNvGrpSpPr/>
+        <p:nvPr/>
+      </p:nvGrpSpPr>
+      <p:grpSpPr/>
+    </p:spTree>
+    <p:custDataLst>
+      <p:tags r:id="rId2"/>
+    </p:custDataLst>
+  </p:cSld>
+  <p:clrMapOvr>
+    <a:masterClrMapping/>
+  </p:clrMapOvr>
+</p:sld>
+</file>
+
 <file path=ppt/slides/slide2.xml><?xml version="1.0" encoding="utf-8"?>
 <p:sld xmlns:a="http://schemas.openxmlformats.org/drawingml/2006/main" xmlns:r="http://schemas.openxmlformats.org/officeDocument/2006/relationships" xmlns:p="http://schemas.openxmlformats.org/presentationml/2006/main">
   <p:cSld>
@@ -6795,7 +6976,7 @@
         <p:spPr>
           <a:xfrm>
             <a:off x="120650" y="1421130"/>
-            <a:ext cx="11876405" cy="4276725"/>
+            <a:ext cx="11876405" cy="2061210"/>
           </a:xfrm>
           <a:prstGeom prst="rect">
             <a:avLst/>
@@ -6812,30 +6993,42 @@
                 <a:latin typeface="宋体" panose="02010600030101010101" pitchFamily="2" charset="-122"/>
                 <a:ea typeface="宋体" panose="02010600030101010101" pitchFamily="2" charset="-122"/>
                 <a:cs typeface="宋体" panose="02010600030101010101" pitchFamily="2" charset="-122"/>
-              </a:rPr>
-              <a:t>所谓正则表达式就是使用一系列预定义的特殊字符来描述一个字符串的格式规则，然后使用该格式规则匹配某个字符串是否符合格式要求。</a:t>
-            </a:r>
-            <a:endParaRPr lang="zh-CN" altLang="en-US" sz="1600">
-              <a:latin typeface="宋体" panose="02010600030101010101" pitchFamily="2" charset="-122"/>
-              <a:ea typeface="宋体" panose="02010600030101010101" pitchFamily="2" charset="-122"/>
-              <a:cs typeface="宋体" panose="02010600030101010101" pitchFamily="2" charset="-122"/>
-            </a:endParaRPr>
-          </a:p>
-          <a:p>
-            <a:endParaRPr lang="zh-CN" altLang="en-US" sz="1600">
-              <a:latin typeface="宋体" panose="02010600030101010101" pitchFamily="2" charset="-122"/>
-              <a:ea typeface="宋体" panose="02010600030101010101" pitchFamily="2" charset="-122"/>
-              <a:cs typeface="宋体" panose="02010600030101010101" pitchFamily="2" charset="-122"/>
-            </a:endParaRPr>
-          </a:p>
-          <a:p>
+                <a:sym typeface="+mn-ea"/>
+              </a:rPr>
+              <a:t>所谓正则表达式就是使用一系列预定义的特殊字符来描述一个字符串的格式规则，然后使用该格式规则匹配某个字符串是否符合格式要求。正则表达式</a:t>
+            </a:r>
+            <a:r>
+              <a:rPr lang="zh-CN" altLang="en-US" sz="1600" b="1">
+                <a:solidFill>
+                  <a:srgbClr val="FF0000"/>
+                </a:solidFill>
+                <a:latin typeface="宋体" panose="02010600030101010101" pitchFamily="2" charset="-122"/>
+                <a:ea typeface="宋体" panose="02010600030101010101" pitchFamily="2" charset="-122"/>
+                <a:cs typeface="宋体" panose="02010600030101010101" pitchFamily="2" charset="-122"/>
+                <a:sym typeface="+mn-ea"/>
+              </a:rPr>
+              <a:t>只关注格式,</a:t>
+            </a:r>
+            <a:r>
+              <a:rPr lang="zh-CN" altLang="en-US" sz="1600" b="1">
+                <a:solidFill>
+                  <a:srgbClr val="FF0000"/>
+                </a:solidFill>
+                <a:latin typeface="宋体" panose="02010600030101010101" pitchFamily="2" charset="-122"/>
+                <a:ea typeface="宋体" panose="02010600030101010101" pitchFamily="2" charset="-122"/>
+                <a:cs typeface="宋体" panose="02010600030101010101" pitchFamily="2" charset="-122"/>
+                <a:sym typeface="+mn-ea"/>
+              </a:rPr>
+              <a:t>不关注有效性</a:t>
+            </a:r>
             <a:r>
               <a:rPr lang="zh-CN" altLang="en-US" sz="1600">
                 <a:latin typeface="宋体" panose="02010600030101010101" pitchFamily="2" charset="-122"/>
                 <a:ea typeface="宋体" panose="02010600030101010101" pitchFamily="2" charset="-122"/>
                 <a:cs typeface="宋体" panose="02010600030101010101" pitchFamily="2" charset="-122"/>
-              </a:rPr>
-              <a:t>正则表达式只关注格式,不关注有效性.用一组特殊的字符定义了一个格式.</a:t>
+                <a:sym typeface="+mn-ea"/>
+              </a:rPr>
+              <a:t>.用一组特殊的字符定义了一个格式.</a:t>
             </a:r>
             <a:endParaRPr lang="zh-CN" altLang="en-US" sz="1600">
               <a:latin typeface="宋体" panose="02010600030101010101" pitchFamily="2" charset="-122"/>
@@ -6857,15 +7050,8 @@
                 <a:ea typeface="宋体" panose="02010600030101010101" pitchFamily="2" charset="-122"/>
                 <a:cs typeface="宋体" panose="02010600030101010101" pitchFamily="2" charset="-122"/>
               </a:rPr>
-              <a:t>"字符集合 [ ]":只表示一个字符</a:t>
-            </a:r>
-            <a:endParaRPr lang="zh-CN" altLang="en-US" sz="1600">
-              <a:latin typeface="宋体" panose="02010600030101010101" pitchFamily="2" charset="-122"/>
-              <a:ea typeface="宋体" panose="02010600030101010101" pitchFamily="2" charset="-122"/>
-              <a:cs typeface="宋体" panose="02010600030101010101" pitchFamily="2" charset="-122"/>
-            </a:endParaRPr>
-          </a:p>
-          <a:p>
+              <a:t>正则表达式：规则表达式</a:t>
+            </a:r>
             <a:endParaRPr lang="zh-CN" altLang="en-US" sz="1600">
               <a:latin typeface="宋体" panose="02010600030101010101" pitchFamily="2" charset="-122"/>
               <a:ea typeface="宋体" panose="02010600030101010101" pitchFamily="2" charset="-122"/>
@@ -6879,118 +7065,67 @@
                 <a:ea typeface="宋体" panose="02010600030101010101" pitchFamily="2" charset="-122"/>
                 <a:cs typeface="宋体" panose="02010600030101010101" pitchFamily="2" charset="-122"/>
               </a:rPr>
-              <a:t>"[ ]"用来描述单一字符，方括号内部可以定义这个字符的内容，也可以描述一个范围。</a:t>
-            </a:r>
-            <a:endParaRPr lang="zh-CN" altLang="en-US" sz="1600">
-              <a:latin typeface="宋体" panose="02010600030101010101" pitchFamily="2" charset="-122"/>
-              <a:ea typeface="宋体" panose="02010600030101010101" pitchFamily="2" charset="-122"/>
-              <a:cs typeface="宋体" panose="02010600030101010101" pitchFamily="2" charset="-122"/>
-            </a:endParaRPr>
-          </a:p>
-          <a:p>
-            <a:r>
-              <a:rPr lang="zh-CN" altLang="en-US" sz="1600">
+              <a:t>正则表达式的作用：</a:t>
+            </a:r>
+            <a:endParaRPr lang="zh-CN" altLang="en-US" sz="1600">
+              <a:latin typeface="宋体" panose="02010600030101010101" pitchFamily="2" charset="-122"/>
+              <a:ea typeface="宋体" panose="02010600030101010101" pitchFamily="2" charset="-122"/>
+              <a:cs typeface="宋体" panose="02010600030101010101" pitchFamily="2" charset="-122"/>
+            </a:endParaRPr>
+          </a:p>
+          <a:p>
+            <a:r>
+              <a:rPr lang="zh-CN" altLang="en-US" sz="1600" b="1">
+                <a:solidFill>
+                  <a:srgbClr val="FF0000"/>
+                </a:solidFill>
                 <a:latin typeface="宋体" panose="02010600030101010101" pitchFamily="2" charset="-122"/>
                 <a:ea typeface="宋体" panose="02010600030101010101" pitchFamily="2" charset="-122"/>
                 <a:cs typeface="宋体" panose="02010600030101010101" pitchFamily="2" charset="-122"/>
               </a:rPr>
-              <a:t>[abc]:表示该字符只能是a或者b或者c</a:t>
-            </a:r>
-            <a:endParaRPr lang="zh-CN" altLang="en-US" sz="1600">
-              <a:latin typeface="宋体" panose="02010600030101010101" pitchFamily="2" charset="-122"/>
-              <a:ea typeface="宋体" panose="02010600030101010101" pitchFamily="2" charset="-122"/>
-              <a:cs typeface="宋体" panose="02010600030101010101" pitchFamily="2" charset="-122"/>
-            </a:endParaRPr>
-          </a:p>
-          <a:p>
-            <a:endParaRPr lang="zh-CN" altLang="en-US" sz="1600">
-              <a:latin typeface="宋体" panose="02010600030101010101" pitchFamily="2" charset="-122"/>
-              <a:ea typeface="宋体" panose="02010600030101010101" pitchFamily="2" charset="-122"/>
-              <a:cs typeface="宋体" panose="02010600030101010101" pitchFamily="2" charset="-122"/>
-            </a:endParaRPr>
-          </a:p>
-          <a:p>
-            <a:r>
-              <a:rPr lang="zh-CN" altLang="en-US" sz="1600">
+              <a:t>1.验证数据的格式</a:t>
+            </a:r>
+            <a:endParaRPr lang="zh-CN" altLang="en-US" sz="1600" b="1">
+              <a:solidFill>
+                <a:srgbClr val="FF0000"/>
+              </a:solidFill>
+              <a:latin typeface="宋体" panose="02010600030101010101" pitchFamily="2" charset="-122"/>
+              <a:ea typeface="宋体" panose="02010600030101010101" pitchFamily="2" charset="-122"/>
+              <a:cs typeface="宋体" panose="02010600030101010101" pitchFamily="2" charset="-122"/>
+            </a:endParaRPr>
+          </a:p>
+          <a:p>
+            <a:r>
+              <a:rPr lang="zh-CN" altLang="en-US" sz="1600" b="1">
+                <a:solidFill>
+                  <a:srgbClr val="FF0000"/>
+                </a:solidFill>
                 <a:latin typeface="宋体" panose="02010600030101010101" pitchFamily="2" charset="-122"/>
                 <a:ea typeface="宋体" panose="02010600030101010101" pitchFamily="2" charset="-122"/>
                 <a:cs typeface="宋体" panose="02010600030101010101" pitchFamily="2" charset="-122"/>
               </a:rPr>
-              <a:t>[123]:表示该字符只能是1或者2或者3</a:t>
-            </a:r>
-            <a:endParaRPr lang="zh-CN" altLang="en-US" sz="1600">
-              <a:latin typeface="宋体" panose="02010600030101010101" pitchFamily="2" charset="-122"/>
-              <a:ea typeface="宋体" panose="02010600030101010101" pitchFamily="2" charset="-122"/>
-              <a:cs typeface="宋体" panose="02010600030101010101" pitchFamily="2" charset="-122"/>
-            </a:endParaRPr>
-          </a:p>
-          <a:p>
-            <a:endParaRPr lang="zh-CN" altLang="en-US" sz="1600">
-              <a:latin typeface="宋体" panose="02010600030101010101" pitchFamily="2" charset="-122"/>
-              <a:ea typeface="宋体" panose="02010600030101010101" pitchFamily="2" charset="-122"/>
-              <a:cs typeface="宋体" panose="02010600030101010101" pitchFamily="2" charset="-122"/>
-            </a:endParaRPr>
-          </a:p>
-          <a:p>
-            <a:r>
-              <a:rPr lang="zh-CN" altLang="en-US" sz="1600">
+              <a:t>2.替换文本内容</a:t>
+            </a:r>
+            <a:endParaRPr lang="zh-CN" altLang="en-US" sz="1600" b="1">
+              <a:solidFill>
+                <a:srgbClr val="FF0000"/>
+              </a:solidFill>
+              <a:latin typeface="宋体" panose="02010600030101010101" pitchFamily="2" charset="-122"/>
+              <a:ea typeface="宋体" panose="02010600030101010101" pitchFamily="2" charset="-122"/>
+              <a:cs typeface="宋体" panose="02010600030101010101" pitchFamily="2" charset="-122"/>
+            </a:endParaRPr>
+          </a:p>
+          <a:p>
+            <a:r>
+              <a:rPr lang="zh-CN" altLang="en-US" sz="1600" b="1">
+                <a:solidFill>
+                  <a:srgbClr val="FF0000"/>
+                </a:solidFill>
                 <a:latin typeface="宋体" panose="02010600030101010101" pitchFamily="2" charset="-122"/>
                 <a:ea typeface="宋体" panose="02010600030101010101" pitchFamily="2" charset="-122"/>
                 <a:cs typeface="宋体" panose="02010600030101010101" pitchFamily="2" charset="-122"/>
               </a:rPr>
-              <a:t>[^abc]:表示除了a,b,c的任意一个字符</a:t>
-            </a:r>
-            <a:endParaRPr lang="zh-CN" altLang="en-US" sz="1600">
-              <a:latin typeface="宋体" panose="02010600030101010101" pitchFamily="2" charset="-122"/>
-              <a:ea typeface="宋体" panose="02010600030101010101" pitchFamily="2" charset="-122"/>
-              <a:cs typeface="宋体" panose="02010600030101010101" pitchFamily="2" charset="-122"/>
-            </a:endParaRPr>
-          </a:p>
-          <a:p>
-            <a:r>
-              <a:rPr lang="zh-CN" altLang="en-US" sz="1600">
-                <a:latin typeface="宋体" panose="02010600030101010101" pitchFamily="2" charset="-122"/>
-                <a:ea typeface="宋体" panose="02010600030101010101" pitchFamily="2" charset="-122"/>
-                <a:cs typeface="宋体" panose="02010600030101010101" pitchFamily="2" charset="-122"/>
-              </a:rPr>
-              <a:t>当我们需要描述所有小写字母时，我们可以使用范围 [a-z]，表示该字符可以是任意一个小写字母。</a:t>
-            </a:r>
-            <a:endParaRPr lang="zh-CN" altLang="en-US" sz="1600">
-              <a:latin typeface="宋体" panose="02010600030101010101" pitchFamily="2" charset="-122"/>
-              <a:ea typeface="宋体" panose="02010600030101010101" pitchFamily="2" charset="-122"/>
-              <a:cs typeface="宋体" panose="02010600030101010101" pitchFamily="2" charset="-122"/>
-            </a:endParaRPr>
-          </a:p>
-          <a:p>
-            <a:endParaRPr lang="zh-CN" altLang="en-US" sz="1600">
-              <a:latin typeface="宋体" panose="02010600030101010101" pitchFamily="2" charset="-122"/>
-              <a:ea typeface="宋体" panose="02010600030101010101" pitchFamily="2" charset="-122"/>
-              <a:cs typeface="宋体" panose="02010600030101010101" pitchFamily="2" charset="-122"/>
-            </a:endParaRPr>
-          </a:p>
-          <a:p>
-            <a:r>
-              <a:rPr lang="zh-CN" altLang="en-US" sz="1600">
-                <a:latin typeface="宋体" panose="02010600030101010101" pitchFamily="2" charset="-122"/>
-                <a:ea typeface="宋体" panose="02010600030101010101" pitchFamily="2" charset="-122"/>
-                <a:cs typeface="宋体" panose="02010600030101010101" pitchFamily="2" charset="-122"/>
-              </a:rPr>
-              <a:t>同样还可以使用 [0-9] 来表示该字符可以是任意一个数字。</a:t>
-            </a:r>
-            <a:endParaRPr lang="zh-CN" altLang="en-US" sz="1600">
-              <a:latin typeface="宋体" panose="02010600030101010101" pitchFamily="2" charset="-122"/>
-              <a:ea typeface="宋体" panose="02010600030101010101" pitchFamily="2" charset="-122"/>
-              <a:cs typeface="宋体" panose="02010600030101010101" pitchFamily="2" charset="-122"/>
-            </a:endParaRPr>
-          </a:p>
-          <a:p>
-            <a:r>
-              <a:rPr lang="zh-CN" altLang="en-US" sz="1600">
-                <a:latin typeface="宋体" panose="02010600030101010101" pitchFamily="2" charset="-122"/>
-                <a:ea typeface="宋体" panose="02010600030101010101" pitchFamily="2" charset="-122"/>
-                <a:cs typeface="宋体" panose="02010600030101010101" pitchFamily="2" charset="-122"/>
-              </a:rPr>
-              <a:t>[0-9]==[0123456789]	</a:t>
+              <a:t>3.从字符串中提取子字符串 </a:t>
             </a:r>
             <a:endParaRPr lang="zh-CN" altLang="en-US" sz="1600">
               <a:latin typeface="宋体" panose="02010600030101010101" pitchFamily="2" charset="-122"/>
@@ -7042,6 +7177,314 @@
 </file>
 
 <file path=ppt/slides/slide3.xml><?xml version="1.0" encoding="utf-8"?>
+<p:sld xmlns:a="http://schemas.openxmlformats.org/drawingml/2006/main" xmlns:r="http://schemas.openxmlformats.org/officeDocument/2006/relationships" xmlns:p="http://schemas.openxmlformats.org/presentationml/2006/main">
+  <p:cSld>
+    <p:bg>
+      <p:bgPr>
+        <a:blipFill rotWithShape="1">
+          <a:blip r:embed="rId1"/>
+          <a:stretch>
+            <a:fillRect/>
+          </a:stretch>
+        </a:blipFill>
+        <a:effectLst/>
+      </p:bgPr>
+    </p:bg>
+    <p:spTree>
+      <p:nvGrpSpPr>
+        <p:cNvPr id="1" name=""/>
+        <p:cNvGrpSpPr/>
+        <p:nvPr/>
+      </p:nvGrpSpPr>
+      <p:grpSpPr/>
+      <p:sp>
+        <p:nvSpPr>
+          <p:cNvPr id="3" name="文本框 2"/>
+          <p:cNvSpPr txBox="1"/>
+          <p:nvPr/>
+        </p:nvSpPr>
+        <p:spPr>
+          <a:xfrm>
+            <a:off x="157480" y="965835"/>
+            <a:ext cx="11876405" cy="3784600"/>
+          </a:xfrm>
+          <a:prstGeom prst="rect">
+            <a:avLst/>
+          </a:prstGeom>
+          <a:noFill/>
+        </p:spPr>
+        <p:txBody>
+          <a:bodyPr wrap="square" rtlCol="0">
+            <a:spAutoFit/>
+          </a:bodyPr>
+          <a:p>
+            <a:r>
+              <a:rPr lang="zh-CN" altLang="en-US" sz="1600">
+                <a:latin typeface="宋体" panose="02010600030101010101" pitchFamily="2" charset="-122"/>
+                <a:ea typeface="宋体" panose="02010600030101010101" pitchFamily="2" charset="-122"/>
+                <a:cs typeface="宋体" panose="02010600030101010101" pitchFamily="2" charset="-122"/>
+              </a:rPr>
+              <a:t>"字符集合 [ ]":只表示一个字符</a:t>
+            </a:r>
+            <a:endParaRPr lang="zh-CN" altLang="en-US" sz="1600">
+              <a:latin typeface="宋体" panose="02010600030101010101" pitchFamily="2" charset="-122"/>
+              <a:ea typeface="宋体" panose="02010600030101010101" pitchFamily="2" charset="-122"/>
+              <a:cs typeface="宋体" panose="02010600030101010101" pitchFamily="2" charset="-122"/>
+            </a:endParaRPr>
+          </a:p>
+          <a:p>
+            <a:endParaRPr lang="zh-CN" altLang="en-US" sz="1600">
+              <a:latin typeface="宋体" panose="02010600030101010101" pitchFamily="2" charset="-122"/>
+              <a:ea typeface="宋体" panose="02010600030101010101" pitchFamily="2" charset="-122"/>
+              <a:cs typeface="宋体" panose="02010600030101010101" pitchFamily="2" charset="-122"/>
+            </a:endParaRPr>
+          </a:p>
+          <a:p>
+            <a:r>
+              <a:rPr lang="zh-CN" altLang="en-US" sz="1600">
+                <a:latin typeface="宋体" panose="02010600030101010101" pitchFamily="2" charset="-122"/>
+                <a:ea typeface="宋体" panose="02010600030101010101" pitchFamily="2" charset="-122"/>
+                <a:cs typeface="宋体" panose="02010600030101010101" pitchFamily="2" charset="-122"/>
+              </a:rPr>
+              <a:t>"[ ]"</a:t>
+            </a:r>
+            <a:r>
+              <a:rPr lang="zh-CN" altLang="en-US" sz="1600" b="1">
+                <a:solidFill>
+                  <a:srgbClr val="FF0000"/>
+                </a:solidFill>
+                <a:latin typeface="宋体" panose="02010600030101010101" pitchFamily="2" charset="-122"/>
+                <a:ea typeface="宋体" panose="02010600030101010101" pitchFamily="2" charset="-122"/>
+                <a:cs typeface="宋体" panose="02010600030101010101" pitchFamily="2" charset="-122"/>
+              </a:rPr>
+              <a:t>用来描述单一字符</a:t>
+            </a:r>
+            <a:r>
+              <a:rPr lang="zh-CN" altLang="en-US" sz="1600">
+                <a:latin typeface="宋体" panose="02010600030101010101" pitchFamily="2" charset="-122"/>
+                <a:ea typeface="宋体" panose="02010600030101010101" pitchFamily="2" charset="-122"/>
+                <a:cs typeface="宋体" panose="02010600030101010101" pitchFamily="2" charset="-122"/>
+              </a:rPr>
+              <a:t>，方括号内部可以定义这个字符的内容，也可以描述一个范围。</a:t>
+            </a:r>
+            <a:endParaRPr lang="zh-CN" altLang="en-US" sz="1600">
+              <a:latin typeface="宋体" panose="02010600030101010101" pitchFamily="2" charset="-122"/>
+              <a:ea typeface="宋体" panose="02010600030101010101" pitchFamily="2" charset="-122"/>
+              <a:cs typeface="宋体" panose="02010600030101010101" pitchFamily="2" charset="-122"/>
+            </a:endParaRPr>
+          </a:p>
+          <a:p>
+            <a:r>
+              <a:rPr lang="zh-CN" altLang="en-US" sz="1600">
+                <a:latin typeface="宋体" panose="02010600030101010101" pitchFamily="2" charset="-122"/>
+                <a:ea typeface="宋体" panose="02010600030101010101" pitchFamily="2" charset="-122"/>
+                <a:cs typeface="宋体" panose="02010600030101010101" pitchFamily="2" charset="-122"/>
+              </a:rPr>
+              <a:t>[abc]:表示该字符只能是a或者b或者c</a:t>
+            </a:r>
+            <a:endParaRPr lang="zh-CN" altLang="en-US" sz="1600">
+              <a:latin typeface="宋体" panose="02010600030101010101" pitchFamily="2" charset="-122"/>
+              <a:ea typeface="宋体" panose="02010600030101010101" pitchFamily="2" charset="-122"/>
+              <a:cs typeface="宋体" panose="02010600030101010101" pitchFamily="2" charset="-122"/>
+            </a:endParaRPr>
+          </a:p>
+          <a:p>
+            <a:r>
+              <a:rPr lang="zh-CN" altLang="en-US" sz="1600">
+                <a:latin typeface="宋体" panose="02010600030101010101" pitchFamily="2" charset="-122"/>
+                <a:ea typeface="宋体" panose="02010600030101010101" pitchFamily="2" charset="-122"/>
+                <a:cs typeface="宋体" panose="02010600030101010101" pitchFamily="2" charset="-122"/>
+              </a:rPr>
+              <a:t>	</a:t>
+            </a:r>
+            <a:endParaRPr lang="zh-CN" altLang="en-US" sz="1600">
+              <a:latin typeface="宋体" panose="02010600030101010101" pitchFamily="2" charset="-122"/>
+              <a:ea typeface="宋体" panose="02010600030101010101" pitchFamily="2" charset="-122"/>
+              <a:cs typeface="宋体" panose="02010600030101010101" pitchFamily="2" charset="-122"/>
+            </a:endParaRPr>
+          </a:p>
+          <a:p>
+            <a:r>
+              <a:rPr lang="zh-CN" altLang="en-US" sz="1600">
+                <a:latin typeface="宋体" panose="02010600030101010101" pitchFamily="2" charset="-122"/>
+                <a:ea typeface="宋体" panose="02010600030101010101" pitchFamily="2" charset="-122"/>
+                <a:cs typeface="宋体" panose="02010600030101010101" pitchFamily="2" charset="-122"/>
+              </a:rPr>
+              <a:t>[A-Z] 表示一个区间，匹配所有大写字母中的任意一个，[a-z] 表示所有小写字母中的任意一个。</a:t>
+            </a:r>
+            <a:endParaRPr lang="zh-CN" altLang="en-US" sz="1600">
+              <a:latin typeface="宋体" panose="02010600030101010101" pitchFamily="2" charset="-122"/>
+              <a:ea typeface="宋体" panose="02010600030101010101" pitchFamily="2" charset="-122"/>
+              <a:cs typeface="宋体" panose="02010600030101010101" pitchFamily="2" charset="-122"/>
+            </a:endParaRPr>
+          </a:p>
+          <a:p>
+            <a:r>
+              <a:rPr lang="en-US" altLang="zh-CN" sz="1600">
+                <a:latin typeface="宋体" panose="02010600030101010101" pitchFamily="2" charset="-122"/>
+                <a:ea typeface="宋体" panose="02010600030101010101" pitchFamily="2" charset="-122"/>
+                <a:cs typeface="宋体" panose="02010600030101010101" pitchFamily="2" charset="-122"/>
+                <a:sym typeface="+mn-ea"/>
+              </a:rPr>
+              <a:t>		</a:t>
+            </a:r>
+            <a:r>
+              <a:rPr lang="en-US" altLang="zh-CN" sz="1600" b="1">
+                <a:solidFill>
+                  <a:srgbClr val="FF0000"/>
+                </a:solidFill>
+                <a:latin typeface="宋体" panose="02010600030101010101" pitchFamily="2" charset="-122"/>
+                <a:ea typeface="宋体" panose="02010600030101010101" pitchFamily="2" charset="-122"/>
+                <a:cs typeface="宋体" panose="02010600030101010101" pitchFamily="2" charset="-122"/>
+                <a:sym typeface="+mn-ea"/>
+              </a:rPr>
+              <a:t>[A-Z]==[ABCDEFGHIJKLMNOPQRSTUVWXYZ]	  </a:t>
+            </a:r>
+            <a:r>
+              <a:rPr lang="zh-CN" altLang="en-US" sz="1600" b="1">
+                <a:solidFill>
+                  <a:srgbClr val="FF0000"/>
+                </a:solidFill>
+                <a:latin typeface="宋体" panose="02010600030101010101" pitchFamily="2" charset="-122"/>
+                <a:ea typeface="宋体" panose="02010600030101010101" pitchFamily="2" charset="-122"/>
+                <a:cs typeface="宋体" panose="02010600030101010101" pitchFamily="2" charset="-122"/>
+                <a:sym typeface="+mn-ea"/>
+              </a:rPr>
+              <a:t>[a-z]</a:t>
+            </a:r>
+            <a:r>
+              <a:rPr lang="en-US" altLang="zh-CN" sz="1600" b="1">
+                <a:solidFill>
+                  <a:srgbClr val="FF0000"/>
+                </a:solidFill>
+                <a:latin typeface="宋体" panose="02010600030101010101" pitchFamily="2" charset="-122"/>
+                <a:ea typeface="宋体" panose="02010600030101010101" pitchFamily="2" charset="-122"/>
+                <a:cs typeface="宋体" panose="02010600030101010101" pitchFamily="2" charset="-122"/>
+                <a:sym typeface="+mn-ea"/>
+              </a:rPr>
+              <a:t>==[abcdefghijklmnopqrstuvwxyz]</a:t>
+            </a:r>
+            <a:endParaRPr lang="zh-CN" altLang="en-US" sz="1600" b="1">
+              <a:solidFill>
+                <a:srgbClr val="FF0000"/>
+              </a:solidFill>
+              <a:latin typeface="宋体" panose="02010600030101010101" pitchFamily="2" charset="-122"/>
+              <a:ea typeface="宋体" panose="02010600030101010101" pitchFamily="2" charset="-122"/>
+              <a:cs typeface="宋体" panose="02010600030101010101" pitchFamily="2" charset="-122"/>
+            </a:endParaRPr>
+          </a:p>
+          <a:p>
+            <a:r>
+              <a:rPr lang="zh-CN" altLang="en-US" sz="1600">
+                <a:latin typeface="宋体" panose="02010600030101010101" pitchFamily="2" charset="-122"/>
+                <a:ea typeface="宋体" panose="02010600030101010101" pitchFamily="2" charset="-122"/>
+                <a:cs typeface="宋体" panose="02010600030101010101" pitchFamily="2" charset="-122"/>
+              </a:rPr>
+              <a:t>[123]:表示该字符只能是1或者2或者3</a:t>
+            </a:r>
+            <a:endParaRPr lang="zh-CN" altLang="en-US" sz="1600">
+              <a:latin typeface="宋体" panose="02010600030101010101" pitchFamily="2" charset="-122"/>
+              <a:ea typeface="宋体" panose="02010600030101010101" pitchFamily="2" charset="-122"/>
+              <a:cs typeface="宋体" panose="02010600030101010101" pitchFamily="2" charset="-122"/>
+            </a:endParaRPr>
+          </a:p>
+          <a:p>
+            <a:endParaRPr lang="zh-CN" altLang="en-US" sz="1600">
+              <a:latin typeface="宋体" panose="02010600030101010101" pitchFamily="2" charset="-122"/>
+              <a:ea typeface="宋体" panose="02010600030101010101" pitchFamily="2" charset="-122"/>
+              <a:cs typeface="宋体" panose="02010600030101010101" pitchFamily="2" charset="-122"/>
+            </a:endParaRPr>
+          </a:p>
+          <a:p>
+            <a:r>
+              <a:rPr lang="zh-CN" altLang="en-US" sz="1600">
+                <a:latin typeface="宋体" panose="02010600030101010101" pitchFamily="2" charset="-122"/>
+                <a:ea typeface="宋体" panose="02010600030101010101" pitchFamily="2" charset="-122"/>
+                <a:cs typeface="宋体" panose="02010600030101010101" pitchFamily="2" charset="-122"/>
+                <a:sym typeface="+mn-ea"/>
+              </a:rPr>
+              <a:t>[0-9] 表示一个区间，表示该字符可以是任意一个数字。</a:t>
+            </a:r>
+            <a:r>
+              <a:rPr lang="zh-CN" altLang="en-US" sz="1600" b="1">
+                <a:solidFill>
+                  <a:srgbClr val="FF0000"/>
+                </a:solidFill>
+                <a:effectLst/>
+                <a:latin typeface="宋体" panose="02010600030101010101" pitchFamily="2" charset="-122"/>
+                <a:ea typeface="宋体" panose="02010600030101010101" pitchFamily="2" charset="-122"/>
+                <a:cs typeface="宋体" panose="02010600030101010101" pitchFamily="2" charset="-122"/>
+                <a:sym typeface="+mn-ea"/>
+              </a:rPr>
+              <a:t>[0-9]==[0123456789]</a:t>
+            </a:r>
+            <a:r>
+              <a:rPr lang="zh-CN" altLang="en-US" sz="1600">
+                <a:effectLst/>
+                <a:latin typeface="宋体" panose="02010600030101010101" pitchFamily="2" charset="-122"/>
+                <a:ea typeface="宋体" panose="02010600030101010101" pitchFamily="2" charset="-122"/>
+                <a:cs typeface="宋体" panose="02010600030101010101" pitchFamily="2" charset="-122"/>
+                <a:sym typeface="+mn-ea"/>
+              </a:rPr>
+              <a:t>	</a:t>
+            </a:r>
+            <a:endParaRPr lang="zh-CN" altLang="en-US" sz="1600">
+              <a:effectLst/>
+              <a:latin typeface="宋体" panose="02010600030101010101" pitchFamily="2" charset="-122"/>
+              <a:ea typeface="宋体" panose="02010600030101010101" pitchFamily="2" charset="-122"/>
+              <a:cs typeface="宋体" panose="02010600030101010101" pitchFamily="2" charset="-122"/>
+            </a:endParaRPr>
+          </a:p>
+          <a:p>
+            <a:endParaRPr lang="zh-CN" altLang="en-US" sz="1600">
+              <a:latin typeface="宋体" panose="02010600030101010101" pitchFamily="2" charset="-122"/>
+              <a:ea typeface="宋体" panose="02010600030101010101" pitchFamily="2" charset="-122"/>
+              <a:cs typeface="宋体" panose="02010600030101010101" pitchFamily="2" charset="-122"/>
+            </a:endParaRPr>
+          </a:p>
+          <a:p>
+            <a:r>
+              <a:rPr lang="zh-CN" altLang="en-US" sz="1600">
+                <a:latin typeface="宋体" panose="02010600030101010101" pitchFamily="2" charset="-122"/>
+                <a:ea typeface="宋体" panose="02010600030101010101" pitchFamily="2" charset="-122"/>
+                <a:cs typeface="宋体" panose="02010600030101010101" pitchFamily="2" charset="-122"/>
+              </a:rPr>
+              <a:t>[^abc]:表示除了a,b,c的任意一个字符，当我们需要描述所有小写字母时，我们可以使用范围 [a-z]，表示该字符可以是任意一个小写字母。</a:t>
+            </a:r>
+            <a:endParaRPr lang="zh-CN" altLang="en-US" sz="1600">
+              <a:latin typeface="宋体" panose="02010600030101010101" pitchFamily="2" charset="-122"/>
+              <a:ea typeface="宋体" panose="02010600030101010101" pitchFamily="2" charset="-122"/>
+              <a:cs typeface="宋体" panose="02010600030101010101" pitchFamily="2" charset="-122"/>
+            </a:endParaRPr>
+          </a:p>
+          <a:p>
+            <a:endParaRPr lang="zh-CN" altLang="en-US" sz="1600">
+              <a:latin typeface="宋体" panose="02010600030101010101" pitchFamily="2" charset="-122"/>
+              <a:ea typeface="宋体" panose="02010600030101010101" pitchFamily="2" charset="-122"/>
+              <a:cs typeface="宋体" panose="02010600030101010101" pitchFamily="2" charset="-122"/>
+            </a:endParaRPr>
+          </a:p>
+          <a:p>
+            <a:endParaRPr lang="zh-CN" altLang="en-US" sz="1600">
+              <a:latin typeface="宋体" panose="02010600030101010101" pitchFamily="2" charset="-122"/>
+              <a:ea typeface="宋体" panose="02010600030101010101" pitchFamily="2" charset="-122"/>
+              <a:cs typeface="宋体" panose="02010600030101010101" pitchFamily="2" charset="-122"/>
+            </a:endParaRPr>
+          </a:p>
+        </p:txBody>
+      </p:sp>
+    </p:spTree>
+    <p:custDataLst>
+      <p:tags r:id="rId2"/>
+    </p:custDataLst>
+  </p:cSld>
+  <p:clrMapOvr>
+    <a:masterClrMapping/>
+  </p:clrMapOvr>
+</p:sld>
+</file>
+
+<file path=ppt/slides/slide4.xml><?xml version="1.0" encoding="utf-8"?>
 <p:sld xmlns:a="http://schemas.openxmlformats.org/drawingml/2006/main" xmlns:r="http://schemas.openxmlformats.org/officeDocument/2006/relationships" xmlns:p="http://schemas.openxmlformats.org/presentationml/2006/main">
   <p:cSld>
     <p:bg>
@@ -7071,7 +7514,7 @@
         <p:spPr>
           <a:xfrm>
             <a:off x="175260" y="819150"/>
-            <a:ext cx="11703050" cy="5015865"/>
+            <a:ext cx="11703050" cy="5262245"/>
           </a:xfrm>
           <a:prstGeom prst="rect">
             <a:avLst/>
@@ -7128,13 +7571,31 @@
           </a:p>
           <a:p>
             <a:r>
+              <a:rPr lang="zh-CN" altLang="en-US" sz="1600" b="1">
+                <a:solidFill>
+                  <a:srgbClr val="FF0000"/>
+                </a:solidFill>
+                <a:latin typeface="宋体" panose="02010600030101010101" pitchFamily="2" charset="-122"/>
+                <a:ea typeface="宋体" panose="02010600030101010101" pitchFamily="2" charset="-122"/>
+                <a:cs typeface="宋体" panose="02010600030101010101" pitchFamily="2" charset="-122"/>
+              </a:rPr>
+              <a:t>"\"在正则表达式中是转意字符</a:t>
+            </a:r>
+            <a:r>
               <a:rPr lang="zh-CN" altLang="en-US" sz="1600">
                 <a:latin typeface="宋体" panose="02010600030101010101" pitchFamily="2" charset="-122"/>
                 <a:ea typeface="宋体" panose="02010600030101010101" pitchFamily="2" charset="-122"/>
                 <a:cs typeface="宋体" panose="02010600030101010101" pitchFamily="2" charset="-122"/>
               </a:rPr>
-              <a:t>"\"在正则表达式中是转意字符，当我们需要描述一个已经被正则表达式使用的特殊字符时，我们就可以通过使用"\"将其转变为原本的意思。</a:t>
-            </a:r>
+              <a:t>，当我们需要描述一个已经被正则表达式使用的特殊字符时，我们就可以通过使用"\"将其转变为原本的意思。</a:t>
+            </a:r>
+            <a:endParaRPr lang="zh-CN" altLang="en-US" sz="1600">
+              <a:latin typeface="宋体" panose="02010600030101010101" pitchFamily="2" charset="-122"/>
+              <a:ea typeface="宋体" panose="02010600030101010101" pitchFamily="2" charset="-122"/>
+              <a:cs typeface="宋体" panose="02010600030101010101" pitchFamily="2" charset="-122"/>
+            </a:endParaRPr>
+          </a:p>
+          <a:p>
             <a:endParaRPr lang="zh-CN" altLang="en-US" sz="1600">
               <a:latin typeface="宋体" panose="02010600030101010101" pitchFamily="2" charset="-122"/>
               <a:ea typeface="宋体" panose="02010600030101010101" pitchFamily="2" charset="-122"/>
@@ -7308,7 +7769,7 @@
 </p:sld>
 </file>
 
-<file path=ppt/slides/slide4.xml><?xml version="1.0" encoding="utf-8"?>
+<file path=ppt/slides/slide5.xml><?xml version="1.0" encoding="utf-8"?>
 <p:sld xmlns:a="http://schemas.openxmlformats.org/drawingml/2006/main" xmlns:r="http://schemas.openxmlformats.org/officeDocument/2006/relationships" xmlns:p="http://schemas.openxmlformats.org/presentationml/2006/main">
   <p:cSld>
     <p:bg>
@@ -7338,7 +7799,7 @@
         <p:spPr>
           <a:xfrm>
             <a:off x="156845" y="855345"/>
-            <a:ext cx="11885295" cy="4769485"/>
+            <a:ext cx="11885295" cy="5015865"/>
           </a:xfrm>
           <a:prstGeom prst="rect">
             <a:avLst/>
@@ -7536,7 +7997,7 @@
                 <a:ea typeface="宋体" panose="02010600030101010101" pitchFamily="2" charset="-122"/>
                 <a:cs typeface="宋体" panose="02010600030101010101" pitchFamily="2" charset="-122"/>
               </a:rPr>
-              <a:t>	[a-z]{n,m}</a:t>
+              <a:t>	[a-z]{n,}</a:t>
             </a:r>
             <a:endParaRPr lang="zh-CN" altLang="en-US" sz="1600">
               <a:latin typeface="宋体" panose="02010600030101010101" pitchFamily="2" charset="-122"/>
@@ -7575,13 +8036,31 @@
             </a:endParaRPr>
           </a:p>
           <a:p>
+            <a:endParaRPr lang="zh-CN" altLang="en-US" sz="1600">
+              <a:latin typeface="宋体" panose="02010600030101010101" pitchFamily="2" charset="-122"/>
+              <a:ea typeface="宋体" panose="02010600030101010101" pitchFamily="2" charset="-122"/>
+              <a:cs typeface="宋体" panose="02010600030101010101" pitchFamily="2" charset="-122"/>
+            </a:endParaRPr>
+          </a:p>
+          <a:p>
+            <a:r>
+              <a:rPr lang="zh-CN" altLang="en-US" sz="1600" b="1">
+                <a:solidFill>
+                  <a:srgbClr val="FF0000"/>
+                </a:solidFill>
+                <a:latin typeface="宋体" panose="02010600030101010101" pitchFamily="2" charset="-122"/>
+                <a:ea typeface="宋体" panose="02010600030101010101" pitchFamily="2" charset="-122"/>
+                <a:cs typeface="宋体" panose="02010600030101010101" pitchFamily="2" charset="-122"/>
+              </a:rPr>
+              <a:t>()</a:t>
+            </a:r>
             <a:r>
               <a:rPr lang="zh-CN" altLang="en-US" sz="1600">
                 <a:latin typeface="宋体" panose="02010600030101010101" pitchFamily="2" charset="-122"/>
                 <a:ea typeface="宋体" panose="02010600030101010101" pitchFamily="2" charset="-122"/>
                 <a:cs typeface="宋体" panose="02010600030101010101" pitchFamily="2" charset="-122"/>
               </a:rPr>
-              <a:t>() 可以将内容看做一个整体，()中可以使用"|"来表示或关系。</a:t>
+              <a:t> 可以将内容看做一个整体，()中可以使用"|"来表示或关系。</a:t>
             </a:r>
             <a:endParaRPr lang="zh-CN" altLang="en-US" sz="1600">
               <a:latin typeface="宋体" panose="02010600030101010101" pitchFamily="2" charset="-122"/>
@@ -7645,7 +8124,7 @@
         <p:spPr>
           <a:xfrm>
             <a:off x="4819015" y="700405"/>
-            <a:ext cx="7103110" cy="2799715"/>
+            <a:ext cx="7103110" cy="3291840"/>
           </a:xfrm>
           <a:prstGeom prst="rect">
             <a:avLst/>
@@ -7663,8 +8142,15 @@
                 <a:ea typeface="宋体" panose="02010600030101010101" pitchFamily="2" charset="-122"/>
                 <a:cs typeface="宋体" panose="02010600030101010101" pitchFamily="2" charset="-122"/>
               </a:rPr>
-              <a:t>"^"和"$"</a:t>
-            </a:r>
+              <a:t>[部分匹配] 和 [完全匹配]</a:t>
+            </a:r>
+            <a:endParaRPr lang="zh-CN" altLang="en-US" sz="1600">
+              <a:latin typeface="宋体" panose="02010600030101010101" pitchFamily="2" charset="-122"/>
+              <a:ea typeface="宋体" panose="02010600030101010101" pitchFamily="2" charset="-122"/>
+              <a:cs typeface="宋体" panose="02010600030101010101" pitchFamily="2" charset="-122"/>
+            </a:endParaRPr>
+          </a:p>
+          <a:p>
             <a:endParaRPr lang="zh-CN" altLang="en-US" sz="1600">
               <a:latin typeface="宋体" panose="02010600030101010101" pitchFamily="2" charset="-122"/>
               <a:ea typeface="宋体" panose="02010600030101010101" pitchFamily="2" charset="-122"/>
@@ -7678,7 +8164,41 @@
                 <a:ea typeface="宋体" panose="02010600030101010101" pitchFamily="2" charset="-122"/>
                 <a:cs typeface="宋体" panose="02010600030101010101" pitchFamily="2" charset="-122"/>
               </a:rPr>
-              <a:t>通过在正则表达式的开始添加"^"以及末尾添加"$"来表示一个整体。若不使用它们，那么正则表达式只匹配某个字符串的部分内容是否符合格式规则，但使用它们，则要求字符串必须从头到尾都满足该格式规则。</a:t>
+              <a:t>"^"和"$"</a:t>
+            </a:r>
+            <a:endParaRPr lang="zh-CN" altLang="en-US" sz="1600">
+              <a:latin typeface="宋体" panose="02010600030101010101" pitchFamily="2" charset="-122"/>
+              <a:ea typeface="宋体" panose="02010600030101010101" pitchFamily="2" charset="-122"/>
+              <a:cs typeface="宋体" panose="02010600030101010101" pitchFamily="2" charset="-122"/>
+            </a:endParaRPr>
+          </a:p>
+          <a:p>
+            <a:r>
+              <a:rPr lang="zh-CN" altLang="en-US" sz="1600">
+                <a:latin typeface="宋体" panose="02010600030101010101" pitchFamily="2" charset="-122"/>
+                <a:ea typeface="宋体" panose="02010600030101010101" pitchFamily="2" charset="-122"/>
+                <a:cs typeface="宋体" panose="02010600030101010101" pitchFamily="2" charset="-122"/>
+              </a:rPr>
+              <a:t>通过在正则表达式的开始添加"^"以及末尾添加"$"来表示一个整体。若不使用它们，那么正则表达式只匹配某个字符串的部分内容是否符合格式规则，但使用它们，则要求字符串</a:t>
+            </a:r>
+            <a:r>
+              <a:rPr lang="zh-CN" altLang="en-US" sz="1600" b="1">
+                <a:solidFill>
+                  <a:srgbClr val="FF0000"/>
+                </a:solidFill>
+                <a:latin typeface="宋体" panose="02010600030101010101" pitchFamily="2" charset="-122"/>
+                <a:ea typeface="宋体" panose="02010600030101010101" pitchFamily="2" charset="-122"/>
+                <a:cs typeface="宋体" panose="02010600030101010101" pitchFamily="2" charset="-122"/>
+              </a:rPr>
+              <a:t>必须从头到尾都满足该格式规则（全匹配）</a:t>
+            </a:r>
+            <a:r>
+              <a:rPr lang="zh-CN" altLang="en-US" sz="1600">
+                <a:latin typeface="宋体" panose="02010600030101010101" pitchFamily="2" charset="-122"/>
+                <a:ea typeface="宋体" panose="02010600030101010101" pitchFamily="2" charset="-122"/>
+                <a:cs typeface="宋体" panose="02010600030101010101" pitchFamily="2" charset="-122"/>
+              </a:rPr>
+              <a:t>。</a:t>
             </a:r>
             <a:endParaRPr lang="zh-CN" altLang="en-US" sz="1600">
               <a:latin typeface="宋体" panose="02010600030101010101" pitchFamily="2" charset="-122"/>
@@ -7780,7 +8300,7 @@
 </p:sld>
 </file>
 
-<file path=ppt/slides/slide5.xml><?xml version="1.0" encoding="utf-8"?>
+<file path=ppt/slides/slide6.xml><?xml version="1.0" encoding="utf-8"?>
 <p:sld xmlns:a="http://schemas.openxmlformats.org/drawingml/2006/main" xmlns:r="http://schemas.openxmlformats.org/officeDocument/2006/relationships" xmlns:p="http://schemas.openxmlformats.org/presentationml/2006/main">
   <p:cSld>
     <p:bg>
@@ -8062,7 +8582,7 @@
 </p:sld>
 </file>
 
-<file path=ppt/slides/slide6.xml><?xml version="1.0" encoding="utf-8"?>
+<file path=ppt/slides/slide7.xml><?xml version="1.0" encoding="utf-8"?>
 <p:sld xmlns:a="http://schemas.openxmlformats.org/drawingml/2006/main" xmlns:r="http://schemas.openxmlformats.org/officeDocument/2006/relationships" xmlns:p="http://schemas.openxmlformats.org/presentationml/2006/main">
   <p:cSld>
     <p:bg>
@@ -8118,7 +8638,7 @@
 </p:sld>
 </file>
 
-<file path=ppt/slides/slide7.xml><?xml version="1.0" encoding="utf-8"?>
+<file path=ppt/slides/slide8.xml><?xml version="1.0" encoding="utf-8"?>
 <p:sld xmlns:a="http://schemas.openxmlformats.org/drawingml/2006/main" xmlns:r="http://schemas.openxmlformats.org/officeDocument/2006/relationships" xmlns:p="http://schemas.openxmlformats.org/presentationml/2006/main">
   <p:cSld>
     <p:bg>
@@ -8174,7 +8694,7 @@
 </p:sld>
 </file>
 
-<file path=ppt/slides/slide8.xml><?xml version="1.0" encoding="utf-8"?>
+<file path=ppt/slides/slide9.xml><?xml version="1.0" encoding="utf-8"?>
 <p:sld xmlns:a="http://schemas.openxmlformats.org/drawingml/2006/main" xmlns:r="http://schemas.openxmlformats.org/officeDocument/2006/relationships" xmlns:p="http://schemas.openxmlformats.org/presentationml/2006/main">
   <p:cSld>
     <p:bg>
@@ -8254,186 +8774,6 @@
 </p:sld>
 </file>
 
-<file path=ppt/slides/slide9.xml><?xml version="1.0" encoding="utf-8"?>
-<p:sld xmlns:a="http://schemas.openxmlformats.org/drawingml/2006/main" xmlns:r="http://schemas.openxmlformats.org/officeDocument/2006/relationships" xmlns:p="http://schemas.openxmlformats.org/presentationml/2006/main">
-  <p:cSld>
-    <p:bg>
-      <p:bgPr>
-        <a:blipFill rotWithShape="1">
-          <a:blip r:embed="rId1"/>
-          <a:stretch>
-            <a:fillRect/>
-          </a:stretch>
-        </a:blipFill>
-        <a:effectLst/>
-      </p:bgPr>
-    </p:bg>
-    <p:spTree>
-      <p:nvGrpSpPr>
-        <p:cNvPr id="1" name=""/>
-        <p:cNvGrpSpPr/>
-        <p:nvPr/>
-      </p:nvGrpSpPr>
-      <p:grpSpPr/>
-      <p:sp>
-        <p:nvSpPr>
-          <p:cNvPr id="3" name="文本框 2"/>
-          <p:cNvSpPr txBox="1"/>
-          <p:nvPr/>
-        </p:nvSpPr>
-        <p:spPr>
-          <a:xfrm>
-            <a:off x="83820" y="773430"/>
-            <a:ext cx="11885930" cy="3046095"/>
-          </a:xfrm>
-          <a:prstGeom prst="rect">
-            <a:avLst/>
-          </a:prstGeom>
-          <a:noFill/>
-        </p:spPr>
-        <p:txBody>
-          <a:bodyPr wrap="square" rtlCol="0">
-            <a:spAutoFit/>
-          </a:bodyPr>
-          <a:p>
-            <a:r>
-              <a:rPr lang="zh-CN" altLang="en-US" sz="1600">
-                <a:latin typeface="宋体" panose="02010600030101010101" pitchFamily="2" charset="-122"/>
-                <a:ea typeface="宋体" panose="02010600030101010101" pitchFamily="2" charset="-122"/>
-                <a:cs typeface="宋体" panose="02010600030101010101" pitchFamily="2" charset="-122"/>
-              </a:rPr>
-              <a:t>java.util.regex 包主要包括以下三个类：</a:t>
-            </a:r>
-            <a:endParaRPr lang="zh-CN" altLang="en-US" sz="1600">
-              <a:latin typeface="宋体" panose="02010600030101010101" pitchFamily="2" charset="-122"/>
-              <a:ea typeface="宋体" panose="02010600030101010101" pitchFamily="2" charset="-122"/>
-              <a:cs typeface="宋体" panose="02010600030101010101" pitchFamily="2" charset="-122"/>
-            </a:endParaRPr>
-          </a:p>
-          <a:p>
-            <a:endParaRPr lang="zh-CN" altLang="en-US" sz="1600">
-              <a:latin typeface="宋体" panose="02010600030101010101" pitchFamily="2" charset="-122"/>
-              <a:ea typeface="宋体" panose="02010600030101010101" pitchFamily="2" charset="-122"/>
-              <a:cs typeface="宋体" panose="02010600030101010101" pitchFamily="2" charset="-122"/>
-            </a:endParaRPr>
-          </a:p>
-          <a:p>
-            <a:r>
-              <a:rPr lang="zh-CN" altLang="en-US" sz="1600">
-                <a:latin typeface="宋体" panose="02010600030101010101" pitchFamily="2" charset="-122"/>
-                <a:ea typeface="宋体" panose="02010600030101010101" pitchFamily="2" charset="-122"/>
-                <a:cs typeface="宋体" panose="02010600030101010101" pitchFamily="2" charset="-122"/>
-              </a:rPr>
-              <a:t>Pattern 类：</a:t>
-            </a:r>
-            <a:endParaRPr lang="zh-CN" altLang="en-US" sz="1600">
-              <a:latin typeface="宋体" panose="02010600030101010101" pitchFamily="2" charset="-122"/>
-              <a:ea typeface="宋体" panose="02010600030101010101" pitchFamily="2" charset="-122"/>
-              <a:cs typeface="宋体" panose="02010600030101010101" pitchFamily="2" charset="-122"/>
-            </a:endParaRPr>
-          </a:p>
-          <a:p>
-            <a:r>
-              <a:rPr lang="zh-CN" altLang="en-US" sz="1600">
-                <a:latin typeface="宋体" panose="02010600030101010101" pitchFamily="2" charset="-122"/>
-                <a:ea typeface="宋体" panose="02010600030101010101" pitchFamily="2" charset="-122"/>
-                <a:cs typeface="宋体" panose="02010600030101010101" pitchFamily="2" charset="-122"/>
-              </a:rPr>
-              <a:t>pattern 对象是一个正则表达式的编译表示。Pattern 类没有公共构造方法。要创建一个 Pattern 对象，你必须首先调用其公共静态编译方法，它返回一个 Pattern 对象。该方法接受一个正则表达式作为它的第一个参数。</a:t>
-            </a:r>
-            <a:endParaRPr lang="zh-CN" altLang="en-US" sz="1600">
-              <a:latin typeface="宋体" panose="02010600030101010101" pitchFamily="2" charset="-122"/>
-              <a:ea typeface="宋体" panose="02010600030101010101" pitchFamily="2" charset="-122"/>
-              <a:cs typeface="宋体" panose="02010600030101010101" pitchFamily="2" charset="-122"/>
-            </a:endParaRPr>
-          </a:p>
-          <a:p>
-            <a:endParaRPr lang="zh-CN" altLang="en-US" sz="1600">
-              <a:latin typeface="宋体" panose="02010600030101010101" pitchFamily="2" charset="-122"/>
-              <a:ea typeface="宋体" panose="02010600030101010101" pitchFamily="2" charset="-122"/>
-              <a:cs typeface="宋体" panose="02010600030101010101" pitchFamily="2" charset="-122"/>
-            </a:endParaRPr>
-          </a:p>
-          <a:p>
-            <a:r>
-              <a:rPr lang="zh-CN" altLang="en-US" sz="1600">
-                <a:latin typeface="宋体" panose="02010600030101010101" pitchFamily="2" charset="-122"/>
-                <a:ea typeface="宋体" panose="02010600030101010101" pitchFamily="2" charset="-122"/>
-                <a:cs typeface="宋体" panose="02010600030101010101" pitchFamily="2" charset="-122"/>
-              </a:rPr>
-              <a:t>Matcher 类：</a:t>
-            </a:r>
-            <a:endParaRPr lang="zh-CN" altLang="en-US" sz="1600">
-              <a:latin typeface="宋体" panose="02010600030101010101" pitchFamily="2" charset="-122"/>
-              <a:ea typeface="宋体" panose="02010600030101010101" pitchFamily="2" charset="-122"/>
-              <a:cs typeface="宋体" panose="02010600030101010101" pitchFamily="2" charset="-122"/>
-            </a:endParaRPr>
-          </a:p>
-          <a:p>
-            <a:r>
-              <a:rPr lang="zh-CN" altLang="en-US" sz="1600">
-                <a:latin typeface="宋体" panose="02010600030101010101" pitchFamily="2" charset="-122"/>
-                <a:ea typeface="宋体" panose="02010600030101010101" pitchFamily="2" charset="-122"/>
-                <a:cs typeface="宋体" panose="02010600030101010101" pitchFamily="2" charset="-122"/>
-              </a:rPr>
-              <a:t>Matcher 对象是对输入字符串进行解释和匹配操作的引擎。与Pattern 类一样，Matcher 也没有公共构造方法。你需要调用 Pattern 对象的 matcher 方法来获得一个 Matcher 对象。</a:t>
-            </a:r>
-            <a:endParaRPr lang="zh-CN" altLang="en-US" sz="1600">
-              <a:latin typeface="宋体" panose="02010600030101010101" pitchFamily="2" charset="-122"/>
-              <a:ea typeface="宋体" panose="02010600030101010101" pitchFamily="2" charset="-122"/>
-              <a:cs typeface="宋体" panose="02010600030101010101" pitchFamily="2" charset="-122"/>
-            </a:endParaRPr>
-          </a:p>
-          <a:p>
-            <a:endParaRPr lang="zh-CN" altLang="en-US" sz="1600">
-              <a:latin typeface="宋体" panose="02010600030101010101" pitchFamily="2" charset="-122"/>
-              <a:ea typeface="宋体" panose="02010600030101010101" pitchFamily="2" charset="-122"/>
-              <a:cs typeface="宋体" panose="02010600030101010101" pitchFamily="2" charset="-122"/>
-            </a:endParaRPr>
-          </a:p>
-          <a:p>
-            <a:r>
-              <a:rPr lang="zh-CN" altLang="en-US" sz="1600">
-                <a:latin typeface="宋体" panose="02010600030101010101" pitchFamily="2" charset="-122"/>
-                <a:ea typeface="宋体" panose="02010600030101010101" pitchFamily="2" charset="-122"/>
-                <a:cs typeface="宋体" panose="02010600030101010101" pitchFamily="2" charset="-122"/>
-              </a:rPr>
-              <a:t>PatternSyntaxException：</a:t>
-            </a:r>
-            <a:endParaRPr lang="zh-CN" altLang="en-US" sz="1600">
-              <a:latin typeface="宋体" panose="02010600030101010101" pitchFamily="2" charset="-122"/>
-              <a:ea typeface="宋体" panose="02010600030101010101" pitchFamily="2" charset="-122"/>
-              <a:cs typeface="宋体" panose="02010600030101010101" pitchFamily="2" charset="-122"/>
-            </a:endParaRPr>
-          </a:p>
-          <a:p>
-            <a:r>
-              <a:rPr lang="zh-CN" altLang="en-US" sz="1600">
-                <a:latin typeface="宋体" panose="02010600030101010101" pitchFamily="2" charset="-122"/>
-                <a:ea typeface="宋体" panose="02010600030101010101" pitchFamily="2" charset="-122"/>
-                <a:cs typeface="宋体" panose="02010600030101010101" pitchFamily="2" charset="-122"/>
-              </a:rPr>
-              <a:t>PatternSyntaxException 是一个非强制异常类，它表示一个正则表达式模式中的语法错误。</a:t>
-            </a:r>
-            <a:endParaRPr lang="zh-CN" altLang="en-US" sz="1600">
-              <a:latin typeface="宋体" panose="02010600030101010101" pitchFamily="2" charset="-122"/>
-              <a:ea typeface="宋体" panose="02010600030101010101" pitchFamily="2" charset="-122"/>
-              <a:cs typeface="宋体" panose="02010600030101010101" pitchFamily="2" charset="-122"/>
-            </a:endParaRPr>
-          </a:p>
-        </p:txBody>
-      </p:sp>
-    </p:spTree>
-    <p:custDataLst>
-      <p:tags r:id="rId2"/>
-    </p:custDataLst>
-  </p:cSld>
-  <p:clrMapOvr>
-    <a:masterClrMapping/>
-  </p:clrMapOvr>
-</p:sld>
-</file>
-
 <file path=ppt/tags/tag1.xml><?xml version="1.0" encoding="utf-8"?>
 <p:tagLst xmlns:p="http://schemas.openxmlformats.org/presentationml/2006/main">
   <p:tag name="KSO_WM_UNIT_HIGHLIGHT" val="0"/>
@@ -9566,6 +9906,15 @@
 </file>
 
 <file path=ppt/tags/tag90.xml><?xml version="1.0" encoding="utf-8"?>
+<p:tagLst xmlns:p="http://schemas.openxmlformats.org/presentationml/2006/main">
+  <p:tag name="KSO_WM_BEAUTIFY_FLAG" val="#wm#"/>
+  <p:tag name="KSO_WM_TEMPLATE_CATEGORY" val="custom"/>
+  <p:tag name="KSO_WM_TEMPLATE_INDEX" val="20203858"/>
+  <p:tag name="KSO_WM_SPECIAL_SOURCE" val="bdnull"/>
+</p:tagLst>
+</file>
+
+<file path=ppt/tags/tag91.xml><?xml version="1.0" encoding="utf-8"?>
 <p:tagLst xmlns:p="http://schemas.openxmlformats.org/presentationml/2006/main">
   <p:tag name="KSO_WM_BEAUTIFY_FLAG" val="#wm#"/>
   <p:tag name="KSO_WM_TEMPLATE_CATEGORY" val="custom"/>
